--- a/PoS Systems_Final_Presentation.pptx
+++ b/PoS Systems_Final_Presentation.pptx
@@ -128,6 +128,11 @@
       </a:defRPr>
     </a:lvl9pPr>
   </p:defaultTextStyle>
+  <p:extLst>
+    <p:ext uri="{EFAFB233-063F-42B5-8137-9DF3F51BA10A}">
+      <p15:sldGuideLst xmlns:p15="http://schemas.microsoft.com/office/powerpoint/2012/main"/>
+    </p:ext>
+  </p:extLst>
 </p:presentation>
 </file>
 
@@ -9937,7 +9942,7 @@
       </p:sp>
       <p:pic>
         <p:nvPicPr>
-          <p:cNvPr id="4" name="Grafik 3"/>
+          <p:cNvPr id="2" name="Grafik 1"/>
           <p:cNvPicPr>
             <a:picLocks noChangeAspect="1"/>
           </p:cNvPicPr>
@@ -9957,8 +9962,8 @@
         </p:blipFill>
         <p:spPr>
           <a:xfrm>
-            <a:off x="2384945" y="1689480"/>
-            <a:ext cx="7420789" cy="4446277"/>
+            <a:off x="2267234" y="1689480"/>
+            <a:ext cx="7656212" cy="4587334"/>
           </a:xfrm>
           <a:prstGeom prst="rect">
             <a:avLst/>

--- a/PoS Systems_Final_Presentation.pptx
+++ b/PoS Systems_Final_Presentation.pptx
@@ -11,8 +11,8 @@
   <p:sldIdLst>
     <p:sldId id="256" r:id="rId3"/>
     <p:sldId id="257" r:id="rId4"/>
-    <p:sldId id="280" r:id="rId5"/>
-    <p:sldId id="281" r:id="rId6"/>
+    <p:sldId id="290" r:id="rId5"/>
+    <p:sldId id="291" r:id="rId6"/>
     <p:sldId id="260" r:id="rId7"/>
     <p:sldId id="261" r:id="rId8"/>
     <p:sldId id="262" r:id="rId9"/>
@@ -1654,7 +1654,7 @@
     </p:spTree>
     <p:extLst>
       <p:ext uri="{BB962C8B-B14F-4D97-AF65-F5344CB8AC3E}">
-        <p14:creationId xmlns:p14="http://schemas.microsoft.com/office/powerpoint/2010/main" val="897171293"/>
+        <p14:creationId xmlns:p14="http://schemas.microsoft.com/office/powerpoint/2010/main" val="4117174869"/>
       </p:ext>
     </p:extLst>
   </p:cSld>
@@ -1756,7 +1756,7 @@
     </p:spTree>
     <p:extLst>
       <p:ext uri="{BB962C8B-B14F-4D97-AF65-F5344CB8AC3E}">
-        <p14:creationId xmlns:p14="http://schemas.microsoft.com/office/powerpoint/2010/main" val="527522013"/>
+        <p14:creationId xmlns:p14="http://schemas.microsoft.com/office/powerpoint/2010/main" val="2257862032"/>
       </p:ext>
     </p:extLst>
   </p:cSld>
@@ -9023,31 +9023,38 @@
       </p:sp>
       <p:pic>
         <p:nvPicPr>
-          <p:cNvPr id="81" name="Inhaltsplatzhalter 4"/>
-          <p:cNvPicPr/>
+          <p:cNvPr id="2" name="Grafik 1"/>
+          <p:cNvPicPr>
+            <a:picLocks noChangeAspect="1"/>
+          </p:cNvPicPr>
           <p:nvPr/>
         </p:nvPicPr>
         <p:blipFill>
-          <a:blip r:embed="rId3"/>
-          <a:stretch/>
+          <a:blip r:embed="rId3">
+            <a:extLst>
+              <a:ext uri="{28A0092B-C50C-407E-A947-70E740481C1C}">
+                <a14:useLocalDpi xmlns:a14="http://schemas.microsoft.com/office/drawing/2010/main" val="0"/>
+              </a:ext>
+            </a:extLst>
+          </a:blip>
+          <a:stretch>
+            <a:fillRect/>
+          </a:stretch>
         </p:blipFill>
         <p:spPr>
           <a:xfrm>
-            <a:off x="1853640" y="1425240"/>
-            <a:ext cx="8483760" cy="5017680"/>
-          </a:xfrm>
-          <a:prstGeom prst="rect">
-            <a:avLst/>
-          </a:prstGeom>
-          <a:ln>
-            <a:noFill/>
-          </a:ln>
+            <a:off x="1910355" y="1689480"/>
+            <a:ext cx="8369969" cy="4819808"/>
+          </a:xfrm>
+          <a:prstGeom prst="rect">
+            <a:avLst/>
+          </a:prstGeom>
         </p:spPr>
       </p:pic>
     </p:spTree>
     <p:extLst>
       <p:ext uri="{BB962C8B-B14F-4D97-AF65-F5344CB8AC3E}">
-        <p14:creationId xmlns:p14="http://schemas.microsoft.com/office/powerpoint/2010/main" val="536462753"/>
+        <p14:creationId xmlns:p14="http://schemas.microsoft.com/office/powerpoint/2010/main" val="737530550"/>
       </p:ext>
     </p:extLst>
   </p:cSld>
@@ -9172,31 +9179,38 @@
       </p:sp>
       <p:pic>
         <p:nvPicPr>
-          <p:cNvPr id="83" name="Inhaltsplatzhalter 3"/>
-          <p:cNvPicPr/>
+          <p:cNvPr id="2" name="Grafik 1"/>
+          <p:cNvPicPr>
+            <a:picLocks noChangeAspect="1"/>
+          </p:cNvPicPr>
           <p:nvPr/>
         </p:nvPicPr>
         <p:blipFill>
-          <a:blip r:embed="rId3"/>
-          <a:stretch/>
+          <a:blip r:embed="rId3">
+            <a:extLst>
+              <a:ext uri="{28A0092B-C50C-407E-A947-70E740481C1C}">
+                <a14:useLocalDpi xmlns:a14="http://schemas.microsoft.com/office/drawing/2010/main" val="0"/>
+              </a:ext>
+            </a:extLst>
+          </a:blip>
+          <a:stretch>
+            <a:fillRect/>
+          </a:stretch>
         </p:blipFill>
         <p:spPr>
           <a:xfrm>
-            <a:off x="1284120" y="1508760"/>
-            <a:ext cx="9622800" cy="4907160"/>
-          </a:xfrm>
-          <a:prstGeom prst="rect">
-            <a:avLst/>
-          </a:prstGeom>
-          <a:ln>
-            <a:noFill/>
-          </a:ln>
+            <a:off x="2399124" y="1689480"/>
+            <a:ext cx="7392432" cy="4887007"/>
+          </a:xfrm>
+          <a:prstGeom prst="rect">
+            <a:avLst/>
+          </a:prstGeom>
         </p:spPr>
       </p:pic>
     </p:spTree>
     <p:extLst>
       <p:ext uri="{BB962C8B-B14F-4D97-AF65-F5344CB8AC3E}">
-        <p14:creationId xmlns:p14="http://schemas.microsoft.com/office/powerpoint/2010/main" val="442782293"/>
+        <p14:creationId xmlns:p14="http://schemas.microsoft.com/office/powerpoint/2010/main" val="3038108012"/>
       </p:ext>
     </p:extLst>
   </p:cSld>
